--- a/PPT/PART 10.pptx
+++ b/PPT/PART 10.pptx
@@ -259,7 +259,7 @@
           <a:p>
             <a:fld id="{48A87A34-81AB-432B-8DAE-1953F412C126}" type="datetimeFigureOut">
               <a:rPr lang="en-US" dirty="0"/>
-              <a:t>3/26/2021</a:t>
+              <a:t>4/11/2021</a:t>
             </a:fld>
             <a:endParaRPr lang="en-US" dirty="0"/>
           </a:p>
@@ -465,7 +465,7 @@
           <a:p>
             <a:fld id="{48A87A34-81AB-432B-8DAE-1953F412C126}" type="datetimeFigureOut">
               <a:rPr lang="en-US" dirty="0"/>
-              <a:t>3/26/2021</a:t>
+              <a:t>4/11/2021</a:t>
             </a:fld>
             <a:endParaRPr lang="en-US" dirty="0"/>
           </a:p>
@@ -675,7 +675,7 @@
           <a:p>
             <a:fld id="{48A87A34-81AB-432B-8DAE-1953F412C126}" type="datetimeFigureOut">
               <a:rPr lang="en-US" dirty="0"/>
-              <a:t>3/26/2021</a:t>
+              <a:t>4/11/2021</a:t>
             </a:fld>
             <a:endParaRPr lang="en-US" dirty="0"/>
           </a:p>
@@ -871,7 +871,7 @@
           <a:p>
             <a:fld id="{48A87A34-81AB-432B-8DAE-1953F412C126}" type="datetimeFigureOut">
               <a:rPr lang="en-US" dirty="0"/>
-              <a:t>3/26/2021</a:t>
+              <a:t>4/11/2021</a:t>
             </a:fld>
             <a:endParaRPr lang="en-US" dirty="0"/>
           </a:p>
@@ -1145,7 +1145,7 @@
           <a:p>
             <a:fld id="{48A87A34-81AB-432B-8DAE-1953F412C126}" type="datetimeFigureOut">
               <a:rPr lang="en-US" dirty="0"/>
-              <a:t>3/26/2021</a:t>
+              <a:t>4/11/2021</a:t>
             </a:fld>
             <a:endParaRPr lang="en-US" dirty="0"/>
           </a:p>
@@ -1408,7 +1408,7 @@
           <a:p>
             <a:fld id="{48A87A34-81AB-432B-8DAE-1953F412C126}" type="datetimeFigureOut">
               <a:rPr lang="en-US" dirty="0"/>
-              <a:t>3/26/2021</a:t>
+              <a:t>4/11/2021</a:t>
             </a:fld>
             <a:endParaRPr lang="en-US" dirty="0"/>
           </a:p>
@@ -1819,7 +1819,7 @@
           <a:p>
             <a:fld id="{48A87A34-81AB-432B-8DAE-1953F412C126}" type="datetimeFigureOut">
               <a:rPr lang="en-US" dirty="0"/>
-              <a:t>3/26/2021</a:t>
+              <a:t>4/11/2021</a:t>
             </a:fld>
             <a:endParaRPr lang="en-US" dirty="0"/>
           </a:p>
@@ -1963,7 +1963,7 @@
           <a:p>
             <a:fld id="{48A87A34-81AB-432B-8DAE-1953F412C126}" type="datetimeFigureOut">
               <a:rPr lang="en-US" dirty="0"/>
-              <a:t>3/26/2021</a:t>
+              <a:t>4/11/2021</a:t>
             </a:fld>
             <a:endParaRPr lang="en-US" dirty="0"/>
           </a:p>
@@ -2084,7 +2084,7 @@
           <a:p>
             <a:fld id="{48A87A34-81AB-432B-8DAE-1953F412C126}" type="datetimeFigureOut">
               <a:rPr lang="en-US" dirty="0"/>
-              <a:t>3/26/2021</a:t>
+              <a:t>4/11/2021</a:t>
             </a:fld>
             <a:endParaRPr lang="en-US" dirty="0"/>
           </a:p>
@@ -2330,7 +2330,7 @@
           <a:p>
             <a:fld id="{48A87A34-81AB-432B-8DAE-1953F412C126}" type="datetimeFigureOut">
               <a:rPr lang="en-US" dirty="0"/>
-              <a:t>3/26/2021</a:t>
+              <a:t>4/11/2021</a:t>
             </a:fld>
             <a:endParaRPr lang="en-US" dirty="0"/>
           </a:p>
@@ -2771,7 +2771,7 @@
             <a:fld id="{48A87A34-81AB-432B-8DAE-1953F412C126}" type="datetimeFigureOut">
               <a:rPr lang="en-US" dirty="0"/>
               <a:pPr/>
-              <a:t>3/26/2021</a:t>
+              <a:t>4/11/2021</a:t>
             </a:fld>
             <a:endParaRPr lang="en-US" dirty="0"/>
           </a:p>
@@ -3094,7 +3094,7 @@
             <a:fld id="{48A87A34-81AB-432B-8DAE-1953F412C126}" type="datetimeFigureOut">
               <a:rPr lang="en-US" dirty="0"/>
               <a:pPr/>
-              <a:t>3/26/2021</a:t>
+              <a:t>4/11/2021</a:t>
             </a:fld>
             <a:endParaRPr lang="en-US" dirty="0"/>
           </a:p>
